--- a/presentation/Disabled Accessible Cities.pptx
+++ b/presentation/Disabled Accessible Cities.pptx
@@ -14523,7 +14523,7 @@
         </p:spPr>
         <p:txBody>
           <a:bodyPr anchor="ctr">
-            <a:normAutofit/>
+            <a:normAutofit fontScale="85000" lnSpcReduction="20000"/>
           </a:bodyPr>
           <a:lstStyle/>
           <a:p>
@@ -14539,14 +14539,25 @@
           </a:p>
           <a:p>
             <a:pPr algn="r"/>
+            <a:endParaRPr lang="en-US" dirty="0">
+              <a:solidFill>
+                <a:srgbClr val="FFFFFF"/>
+              </a:solidFill>
+            </a:endParaRPr>
+          </a:p>
+          <a:p>
+            <a:pPr algn="r"/>
             <a:r>
               <a:rPr lang="en-US" dirty="0">
                 <a:solidFill>
                   <a:srgbClr val="FFFFFF"/>
                 </a:solidFill>
               </a:rPr>
-              <a:t>Group 9 – </a:t>
-            </a:r>
+              <a:t>Group 9</a:t>
+            </a:r>
+          </a:p>
+          <a:p>
+            <a:pPr algn="r"/>
             <a:r>
               <a:rPr lang="en-US" dirty="0" err="1">
                 <a:solidFill>
@@ -14561,7 +14572,37 @@
                   <a:srgbClr val="FFFFFF"/>
                 </a:solidFill>
               </a:rPr>
-              <a:t> Ye, Yuhong Sang, Bogdan </a:t>
+              <a:t> Ye, </a:t>
+            </a:r>
+          </a:p>
+          <a:p>
+            <a:pPr algn="r"/>
+            <a:r>
+              <a:rPr lang="en-US" dirty="0" err="1">
+                <a:solidFill>
+                  <a:srgbClr val="FFFFFF"/>
+                </a:solidFill>
+              </a:rPr>
+              <a:t>Yuhong</a:t>
+            </a:r>
+            <a:r>
+              <a:rPr lang="en-US" dirty="0">
+                <a:solidFill>
+                  <a:srgbClr val="FFFFFF"/>
+                </a:solidFill>
+              </a:rPr>
+              <a:t> Sang, </a:t>
+            </a:r>
+          </a:p>
+          <a:p>
+            <a:pPr algn="r"/>
+            <a:r>
+              <a:rPr lang="en-US" dirty="0">
+                <a:solidFill>
+                  <a:srgbClr val="FFFFFF"/>
+                </a:solidFill>
+              </a:rPr>
+              <a:t>Bogdan </a:t>
             </a:r>
             <a:r>
               <a:rPr lang="en-US" dirty="0" err="1">
@@ -14577,7 +14618,18 @@
                   <a:srgbClr val="FFFFFF"/>
                 </a:solidFill>
               </a:rPr>
-              <a:t>, Arun Srinivasan</a:t>
+              <a:t>, </a:t>
+            </a:r>
+          </a:p>
+          <a:p>
+            <a:pPr algn="r"/>
+            <a:r>
+              <a:rPr lang="en-US" dirty="0">
+                <a:solidFill>
+                  <a:srgbClr val="FFFFFF"/>
+                </a:solidFill>
+              </a:rPr>
+              <a:t>Arun Srinivasan</a:t>
             </a:r>
           </a:p>
         </p:txBody>
@@ -16500,7 +16552,7 @@
           <a:p>
             <a:r>
               <a:rPr lang="en-US" dirty="0"/>
-              <a:t>It is truly “invisible” if countries and its urban landscape is fully capable and inclusive to handle this surge which will allow the disabled to live a life no different than able-bodied people.</a:t>
+              <a:t>It is truly “invisible” whether countries and its urban landscape are fully capable and inclusive to handle this surge which will allow the disabled to live a life no different than able-bodied people.</a:t>
             </a:r>
           </a:p>
         </p:txBody>
@@ -16735,7 +16787,7 @@
         </p:nvSpPr>
         <p:spPr>
           <a:xfrm>
-            <a:off x="5509688" y="434308"/>
+            <a:off x="5509688" y="454933"/>
             <a:ext cx="5826919" cy="6002866"/>
           </a:xfrm>
         </p:spPr>
@@ -16761,7 +16813,7 @@
                   <a:schemeClr val="tx1"/>
                 </a:solidFill>
               </a:rPr>
-              <a:t>A recent study shows one in four UK employers would not hire someone with a disability – We go into the disability employment statistics published by the Office for National Statistics and visualize the journey of Disabled Employment across years in the various boroughs of London.</a:t>
+              <a:t>A recent survey conducted by YouGov shows one in four UK employers would not hire someone with a disability – We go into the disability employment statistics published by the Office for National Statistics and visualize the journey of Disabled Employment across years in the various boroughs of London.</a:t>
             </a:r>
           </a:p>
           <a:p>
@@ -16779,15 +16831,7 @@
                   <a:schemeClr val="tx1"/>
                 </a:solidFill>
               </a:rPr>
-              <a:t>£249bn a year. We try to visualise the wheelchair accessible businesses </a:t>
-            </a:r>
-            <a:r>
-              <a:rPr lang="en-GB">
-                <a:solidFill>
-                  <a:schemeClr val="tx1"/>
-                </a:solidFill>
-              </a:rPr>
-              <a:t>in London.</a:t>
+              <a:t>£249bn a year. We try to visualise the wheelchair accessible businesses in London.</a:t>
             </a:r>
             <a:endParaRPr lang="en-US" dirty="0">
               <a:solidFill>
